--- a/Group 8 Presentation - Laundry App.pptx
+++ b/Group 8 Presentation - Laundry App.pptx
@@ -5,7 +5,7 @@
     <p:sldMasterId id="2147483659" r:id="rId1"/>
   </p:sldMasterIdLst>
   <p:notesMasterIdLst>
-    <p:notesMasterId r:id="rId12"/>
+    <p:notesMasterId r:id="rId15"/>
   </p:notesMasterIdLst>
   <p:sldIdLst>
     <p:sldId id="256" r:id="rId2"/>
@@ -16,30 +16,33 @@
     <p:sldId id="261" r:id="rId7"/>
     <p:sldId id="262" r:id="rId8"/>
     <p:sldId id="263" r:id="rId9"/>
-    <p:sldId id="264" r:id="rId10"/>
-    <p:sldId id="265" r:id="rId11"/>
+    <p:sldId id="267" r:id="rId10"/>
+    <p:sldId id="268" r:id="rId11"/>
+    <p:sldId id="266" r:id="rId12"/>
+    <p:sldId id="264" r:id="rId13"/>
+    <p:sldId id="265" r:id="rId14"/>
   </p:sldIdLst>
   <p:sldSz cx="9144000" cy="5143500" type="screen16x9"/>
   <p:notesSz cx="6858000" cy="9144000"/>
   <p:embeddedFontLst>
     <p:embeddedFont>
       <p:font typeface="Montserrat" pitchFamily="2" charset="77"/>
-      <p:regular r:id="rId13"/>
-      <p:bold r:id="rId14"/>
-      <p:italic r:id="rId15"/>
-      <p:boldItalic r:id="rId16"/>
+      <p:regular r:id="rId16"/>
+      <p:bold r:id="rId17"/>
+      <p:italic r:id="rId18"/>
+      <p:boldItalic r:id="rId19"/>
     </p:embeddedFont>
     <p:embeddedFont>
       <p:font typeface="Oswald" pitchFamily="2" charset="77"/>
-      <p:regular r:id="rId17"/>
-      <p:bold r:id="rId18"/>
+      <p:regular r:id="rId20"/>
+      <p:bold r:id="rId21"/>
     </p:embeddedFont>
     <p:embeddedFont>
       <p:font typeface="Playfair Display" pitchFamily="2" charset="77"/>
-      <p:regular r:id="rId19"/>
-      <p:bold r:id="rId20"/>
-      <p:italic r:id="rId21"/>
-      <p:boldItalic r:id="rId22"/>
+      <p:regular r:id="rId22"/>
+      <p:bold r:id="rId23"/>
+      <p:italic r:id="rId24"/>
+      <p:boldItalic r:id="rId25"/>
     </p:embeddedFont>
   </p:embeddedFontLst>
   <p:defaultTextStyle>
@@ -840,6 +843,328 @@
   <p:cSld>
     <p:spTree>
       <p:nvGrpSpPr>
+        <p:cNvPr id="1" name="Shape 112"/>
+        <p:cNvGrpSpPr/>
+        <p:nvPr/>
+      </p:nvGrpSpPr>
+      <p:grpSpPr>
+        <a:xfrm>
+          <a:off x="0" y="0"/>
+          <a:ext cx="0" cy="0"/>
+          <a:chOff x="0" y="0"/>
+          <a:chExt cx="0" cy="0"/>
+        </a:xfrm>
+      </p:grpSpPr>
+      <p:sp>
+        <p:nvSpPr>
+          <p:cNvPr id="113" name="Google Shape;113;g2a3875fd260_1_7:notes"/>
+          <p:cNvSpPr>
+            <a:spLocks noGrp="1" noRot="1" noChangeAspect="1"/>
+          </p:cNvSpPr>
+          <p:nvPr>
+            <p:ph type="sldImg" idx="2"/>
+          </p:nvPr>
+        </p:nvSpPr>
+        <p:spPr>
+          <a:xfrm>
+            <a:off x="381000" y="685800"/>
+            <a:ext cx="6096000" cy="3429000"/>
+          </a:xfrm>
+          <a:custGeom>
+            <a:avLst/>
+            <a:gdLst/>
+            <a:ahLst/>
+            <a:cxnLst/>
+            <a:rect l="l" t="t" r="r" b="b"/>
+            <a:pathLst>
+              <a:path w="120000" h="120000" extrusionOk="0">
+                <a:moveTo>
+                  <a:pt x="0" y="0"/>
+                </a:moveTo>
+                <a:lnTo>
+                  <a:pt x="120000" y="0"/>
+                </a:lnTo>
+                <a:lnTo>
+                  <a:pt x="120000" y="120000"/>
+                </a:lnTo>
+                <a:lnTo>
+                  <a:pt x="0" y="120000"/>
+                </a:lnTo>
+                <a:close/>
+              </a:path>
+            </a:pathLst>
+          </a:custGeom>
+        </p:spPr>
+      </p:sp>
+      <p:sp>
+        <p:nvSpPr>
+          <p:cNvPr id="114" name="Google Shape;114;g2a3875fd260_1_7:notes"/>
+          <p:cNvSpPr txBox="1">
+            <a:spLocks noGrp="1"/>
+          </p:cNvSpPr>
+          <p:nvPr>
+            <p:ph type="body" idx="1"/>
+          </p:nvPr>
+        </p:nvSpPr>
+        <p:spPr>
+          <a:xfrm>
+            <a:off x="685800" y="4343400"/>
+            <a:ext cx="5486400" cy="4114800"/>
+          </a:xfrm>
+          <a:prstGeom prst="rect">
+            <a:avLst/>
+          </a:prstGeom>
+        </p:spPr>
+        <p:txBody>
+          <a:bodyPr spcFirstLastPara="1" wrap="square" lIns="91425" tIns="91425" rIns="91425" bIns="91425" anchor="t" anchorCtr="0">
+            <a:noAutofit/>
+          </a:bodyPr>
+          <a:lstStyle/>
+          <a:p>
+            <a:pPr marL="0" lvl="0" indent="0" algn="l" rtl="0">
+              <a:spcBef>
+                <a:spcPts val="0"/>
+              </a:spcBef>
+              <a:spcAft>
+                <a:spcPts val="0"/>
+              </a:spcAft>
+              <a:buNone/>
+            </a:pPr>
+            <a:endParaRPr/>
+          </a:p>
+        </p:txBody>
+      </p:sp>
+    </p:spTree>
+    <p:extLst>
+      <p:ext uri="{BB962C8B-B14F-4D97-AF65-F5344CB8AC3E}">
+        <p14:creationId xmlns:p14="http://schemas.microsoft.com/office/powerpoint/2010/main" val="3837219779"/>
+      </p:ext>
+    </p:extLst>
+  </p:cSld>
+  <p:clrMapOvr>
+    <a:masterClrMapping/>
+  </p:clrMapOvr>
+</p:notes>
+</file>
+
+<file path=ppt/notesSlides/notesSlide11.xml><?xml version="1.0" encoding="utf-8"?>
+<p:notes xmlns:a="http://schemas.openxmlformats.org/drawingml/2006/main" xmlns:r="http://schemas.openxmlformats.org/officeDocument/2006/relationships" xmlns:p="http://schemas.openxmlformats.org/presentationml/2006/main" showMasterSp="0" showMasterPhAnim="0">
+  <p:cSld>
+    <p:spTree>
+      <p:nvGrpSpPr>
+        <p:cNvPr id="1" name="Shape 112"/>
+        <p:cNvGrpSpPr/>
+        <p:nvPr/>
+      </p:nvGrpSpPr>
+      <p:grpSpPr>
+        <a:xfrm>
+          <a:off x="0" y="0"/>
+          <a:ext cx="0" cy="0"/>
+          <a:chOff x="0" y="0"/>
+          <a:chExt cx="0" cy="0"/>
+        </a:xfrm>
+      </p:grpSpPr>
+      <p:sp>
+        <p:nvSpPr>
+          <p:cNvPr id="113" name="Google Shape;113;g2a3875fd260_1_7:notes"/>
+          <p:cNvSpPr>
+            <a:spLocks noGrp="1" noRot="1" noChangeAspect="1"/>
+          </p:cNvSpPr>
+          <p:nvPr>
+            <p:ph type="sldImg" idx="2"/>
+          </p:nvPr>
+        </p:nvSpPr>
+        <p:spPr>
+          <a:xfrm>
+            <a:off x="381000" y="685800"/>
+            <a:ext cx="6096000" cy="3429000"/>
+          </a:xfrm>
+          <a:custGeom>
+            <a:avLst/>
+            <a:gdLst/>
+            <a:ahLst/>
+            <a:cxnLst/>
+            <a:rect l="l" t="t" r="r" b="b"/>
+            <a:pathLst>
+              <a:path w="120000" h="120000" extrusionOk="0">
+                <a:moveTo>
+                  <a:pt x="0" y="0"/>
+                </a:moveTo>
+                <a:lnTo>
+                  <a:pt x="120000" y="0"/>
+                </a:lnTo>
+                <a:lnTo>
+                  <a:pt x="120000" y="120000"/>
+                </a:lnTo>
+                <a:lnTo>
+                  <a:pt x="0" y="120000"/>
+                </a:lnTo>
+                <a:close/>
+              </a:path>
+            </a:pathLst>
+          </a:custGeom>
+        </p:spPr>
+      </p:sp>
+      <p:sp>
+        <p:nvSpPr>
+          <p:cNvPr id="114" name="Google Shape;114;g2a3875fd260_1_7:notes"/>
+          <p:cNvSpPr txBox="1">
+            <a:spLocks noGrp="1"/>
+          </p:cNvSpPr>
+          <p:nvPr>
+            <p:ph type="body" idx="1"/>
+          </p:nvPr>
+        </p:nvSpPr>
+        <p:spPr>
+          <a:xfrm>
+            <a:off x="685800" y="4343400"/>
+            <a:ext cx="5486400" cy="4114800"/>
+          </a:xfrm>
+          <a:prstGeom prst="rect">
+            <a:avLst/>
+          </a:prstGeom>
+        </p:spPr>
+        <p:txBody>
+          <a:bodyPr spcFirstLastPara="1" wrap="square" lIns="91425" tIns="91425" rIns="91425" bIns="91425" anchor="t" anchorCtr="0">
+            <a:noAutofit/>
+          </a:bodyPr>
+          <a:lstStyle/>
+          <a:p>
+            <a:pPr marL="0" lvl="0" indent="0" algn="l" rtl="0">
+              <a:spcBef>
+                <a:spcPts val="0"/>
+              </a:spcBef>
+              <a:spcAft>
+                <a:spcPts val="0"/>
+              </a:spcAft>
+              <a:buNone/>
+            </a:pPr>
+            <a:endParaRPr/>
+          </a:p>
+        </p:txBody>
+      </p:sp>
+    </p:spTree>
+    <p:extLst>
+      <p:ext uri="{BB962C8B-B14F-4D97-AF65-F5344CB8AC3E}">
+        <p14:creationId xmlns:p14="http://schemas.microsoft.com/office/powerpoint/2010/main" val="1661428621"/>
+      </p:ext>
+    </p:extLst>
+  </p:cSld>
+  <p:clrMapOvr>
+    <a:masterClrMapping/>
+  </p:clrMapOvr>
+</p:notes>
+</file>
+
+<file path=ppt/notesSlides/notesSlide12.xml><?xml version="1.0" encoding="utf-8"?>
+<p:notes xmlns:a="http://schemas.openxmlformats.org/drawingml/2006/main" xmlns:r="http://schemas.openxmlformats.org/officeDocument/2006/relationships" xmlns:p="http://schemas.openxmlformats.org/presentationml/2006/main" showMasterSp="0" showMasterPhAnim="0">
+  <p:cSld>
+    <p:spTree>
+      <p:nvGrpSpPr>
+        <p:cNvPr id="1" name="Shape 118"/>
+        <p:cNvGrpSpPr/>
+        <p:nvPr/>
+      </p:nvGrpSpPr>
+      <p:grpSpPr>
+        <a:xfrm>
+          <a:off x="0" y="0"/>
+          <a:ext cx="0" cy="0"/>
+          <a:chOff x="0" y="0"/>
+          <a:chExt cx="0" cy="0"/>
+        </a:xfrm>
+      </p:grpSpPr>
+      <p:sp>
+        <p:nvSpPr>
+          <p:cNvPr id="119" name="Google Shape;119;g1ba828923d2e6840_47:notes"/>
+          <p:cNvSpPr>
+            <a:spLocks noGrp="1" noRot="1" noChangeAspect="1"/>
+          </p:cNvSpPr>
+          <p:nvPr>
+            <p:ph type="sldImg" idx="2"/>
+          </p:nvPr>
+        </p:nvSpPr>
+        <p:spPr>
+          <a:xfrm>
+            <a:off x="381300" y="685800"/>
+            <a:ext cx="6096000" cy="3429000"/>
+          </a:xfrm>
+          <a:custGeom>
+            <a:avLst/>
+            <a:gdLst/>
+            <a:ahLst/>
+            <a:cxnLst/>
+            <a:rect l="l" t="t" r="r" b="b"/>
+            <a:pathLst>
+              <a:path w="120000" h="120000" extrusionOk="0">
+                <a:moveTo>
+                  <a:pt x="0" y="0"/>
+                </a:moveTo>
+                <a:lnTo>
+                  <a:pt x="120000" y="0"/>
+                </a:lnTo>
+                <a:lnTo>
+                  <a:pt x="120000" y="120000"/>
+                </a:lnTo>
+                <a:lnTo>
+                  <a:pt x="0" y="120000"/>
+                </a:lnTo>
+                <a:close/>
+              </a:path>
+            </a:pathLst>
+          </a:custGeom>
+        </p:spPr>
+      </p:sp>
+      <p:sp>
+        <p:nvSpPr>
+          <p:cNvPr id="120" name="Google Shape;120;g1ba828923d2e6840_47:notes"/>
+          <p:cNvSpPr txBox="1">
+            <a:spLocks noGrp="1"/>
+          </p:cNvSpPr>
+          <p:nvPr>
+            <p:ph type="body" idx="1"/>
+          </p:nvPr>
+        </p:nvSpPr>
+        <p:spPr>
+          <a:xfrm>
+            <a:off x="685800" y="4343400"/>
+            <a:ext cx="5486400" cy="4114800"/>
+          </a:xfrm>
+          <a:prstGeom prst="rect">
+            <a:avLst/>
+          </a:prstGeom>
+        </p:spPr>
+        <p:txBody>
+          <a:bodyPr spcFirstLastPara="1" wrap="square" lIns="91425" tIns="91425" rIns="91425" bIns="91425" anchor="t" anchorCtr="0">
+            <a:noAutofit/>
+          </a:bodyPr>
+          <a:lstStyle/>
+          <a:p>
+            <a:pPr marL="0" lvl="0" indent="0" algn="l" rtl="0">
+              <a:spcBef>
+                <a:spcPts val="0"/>
+              </a:spcBef>
+              <a:spcAft>
+                <a:spcPts val="0"/>
+              </a:spcAft>
+              <a:buNone/>
+            </a:pPr>
+            <a:endParaRPr/>
+          </a:p>
+        </p:txBody>
+      </p:sp>
+    </p:spTree>
+  </p:cSld>
+  <p:clrMapOvr>
+    <a:masterClrMapping/>
+  </p:clrMapOvr>
+</p:notes>
+</file>
+
+<file path=ppt/notesSlides/notesSlide13.xml><?xml version="1.0" encoding="utf-8"?>
+<p:notes xmlns:a="http://schemas.openxmlformats.org/drawingml/2006/main" xmlns:r="http://schemas.openxmlformats.org/officeDocument/2006/relationships" xmlns:p="http://schemas.openxmlformats.org/presentationml/2006/main" showMasterSp="0" showMasterPhAnim="0">
+  <p:cSld>
+    <p:spTree>
+      <p:nvGrpSpPr>
         <p:cNvPr id="1" name="Shape 124"/>
         <p:cNvGrpSpPr/>
         <p:nvPr/>
@@ -1072,7 +1397,7 @@
         </p:nvSpPr>
         <p:spPr>
           <a:xfrm>
-            <a:off x="381300" y="685800"/>
+            <a:off x="381000" y="685800"/>
             <a:ext cx="6096000" cy="3429000"/>
           </a:xfrm>
           <a:custGeom>
@@ -1592,7 +1917,7 @@
         </p:nvSpPr>
         <p:spPr>
           <a:xfrm>
-            <a:off x="381300" y="685800"/>
+            <a:off x="381000" y="685800"/>
             <a:ext cx="6096000" cy="3429000"/>
           </a:xfrm>
           <a:custGeom>
@@ -1672,7 +1997,7 @@
   <p:cSld>
     <p:spTree>
       <p:nvGrpSpPr>
-        <p:cNvPr id="1" name="Shape 118"/>
+        <p:cNvPr id="1" name="Shape 112"/>
         <p:cNvGrpSpPr/>
         <p:nvPr/>
       </p:nvGrpSpPr>
@@ -1686,7 +2011,7 @@
       </p:grpSpPr>
       <p:sp>
         <p:nvSpPr>
-          <p:cNvPr id="119" name="Google Shape;119;g1ba828923d2e6840_47:notes"/>
+          <p:cNvPr id="113" name="Google Shape;113;g2a3875fd260_1_7:notes"/>
           <p:cNvSpPr>
             <a:spLocks noGrp="1" noRot="1" noChangeAspect="1"/>
           </p:cNvSpPr>
@@ -1696,7 +2021,7 @@
         </p:nvSpPr>
         <p:spPr>
           <a:xfrm>
-            <a:off x="381300" y="685800"/>
+            <a:off x="381000" y="685800"/>
             <a:ext cx="6096000" cy="3429000"/>
           </a:xfrm>
           <a:custGeom>
@@ -1727,7 +2052,7 @@
       </p:sp>
       <p:sp>
         <p:nvSpPr>
-          <p:cNvPr id="120" name="Google Shape;120;g1ba828923d2e6840_47:notes"/>
+          <p:cNvPr id="114" name="Google Shape;114;g2a3875fd260_1_7:notes"/>
           <p:cNvSpPr txBox="1">
             <a:spLocks noGrp="1"/>
           </p:cNvSpPr>
@@ -1764,6 +2089,11 @@
         </p:txBody>
       </p:sp>
     </p:spTree>
+    <p:extLst>
+      <p:ext uri="{BB962C8B-B14F-4D97-AF65-F5344CB8AC3E}">
+        <p14:creationId xmlns:p14="http://schemas.microsoft.com/office/powerpoint/2010/main" val="775432123"/>
+      </p:ext>
+    </p:extLst>
   </p:cSld>
   <p:clrMapOvr>
     <a:masterClrMapping/>
@@ -7499,7 +7829,7 @@
         </p:spPr>
         <p:txBody>
           <a:bodyPr spcFirstLastPara="1" wrap="square" lIns="91425" tIns="91425" rIns="91425" bIns="91425" anchor="ctr" anchorCtr="0">
-            <a:normAutofit/>
+            <a:normAutofit lnSpcReduction="10000"/>
           </a:bodyPr>
           <a:lstStyle/>
           <a:p>
@@ -7589,6 +7919,533 @@
 </file>
 
 <file path=ppt/slides/slide10.xml><?xml version="1.0" encoding="utf-8"?>
+<p:sld xmlns:a="http://schemas.openxmlformats.org/drawingml/2006/main" xmlns:r="http://schemas.openxmlformats.org/officeDocument/2006/relationships" xmlns:p="http://schemas.openxmlformats.org/presentationml/2006/main">
+  <p:cSld>
+    <p:spTree>
+      <p:nvGrpSpPr>
+        <p:cNvPr id="1" name="Shape 115"/>
+        <p:cNvGrpSpPr/>
+        <p:nvPr/>
+      </p:nvGrpSpPr>
+      <p:grpSpPr>
+        <a:xfrm>
+          <a:off x="0" y="0"/>
+          <a:ext cx="0" cy="0"/>
+          <a:chOff x="0" y="0"/>
+          <a:chExt cx="0" cy="0"/>
+        </a:xfrm>
+      </p:grpSpPr>
+      <p:sp>
+        <p:nvSpPr>
+          <p:cNvPr id="116" name="Google Shape;116;p20"/>
+          <p:cNvSpPr txBox="1">
+            <a:spLocks noGrp="1"/>
+          </p:cNvSpPr>
+          <p:nvPr>
+            <p:ph type="title"/>
+          </p:nvPr>
+        </p:nvSpPr>
+        <p:spPr>
+          <a:xfrm>
+            <a:off x="311700" y="445025"/>
+            <a:ext cx="8520600" cy="572700"/>
+          </a:xfrm>
+          <a:prstGeom prst="rect">
+            <a:avLst/>
+          </a:prstGeom>
+        </p:spPr>
+        <p:txBody>
+          <a:bodyPr spcFirstLastPara="1" wrap="square" lIns="91425" tIns="91425" rIns="91425" bIns="91425" anchor="t" anchorCtr="0">
+            <a:normAutofit fontScale="90000"/>
+          </a:bodyPr>
+          <a:lstStyle/>
+          <a:p>
+            <a:pPr marL="0" lvl="0" indent="0" algn="l" rtl="0">
+              <a:spcBef>
+                <a:spcPts val="0"/>
+              </a:spcBef>
+              <a:spcAft>
+                <a:spcPts val="0"/>
+              </a:spcAft>
+              <a:buNone/>
+            </a:pPr>
+            <a:r>
+              <a:rPr lang="en" dirty="0"/>
+              <a:t>Hosting</a:t>
+            </a:r>
+            <a:endParaRPr dirty="0"/>
+          </a:p>
+        </p:txBody>
+      </p:sp>
+      <p:sp>
+        <p:nvSpPr>
+          <p:cNvPr id="117" name="Google Shape;117;p20"/>
+          <p:cNvSpPr txBox="1">
+            <a:spLocks noGrp="1"/>
+          </p:cNvSpPr>
+          <p:nvPr>
+            <p:ph type="body" idx="1"/>
+          </p:nvPr>
+        </p:nvSpPr>
+        <p:spPr>
+          <a:xfrm>
+            <a:off x="311700" y="1234075"/>
+            <a:ext cx="8520600" cy="3334800"/>
+          </a:xfrm>
+          <a:prstGeom prst="rect">
+            <a:avLst/>
+          </a:prstGeom>
+        </p:spPr>
+        <p:txBody>
+          <a:bodyPr spcFirstLastPara="1" wrap="square" lIns="91425" tIns="91425" rIns="91425" bIns="91425" anchor="t" anchorCtr="0">
+            <a:normAutofit/>
+          </a:bodyPr>
+          <a:lstStyle/>
+          <a:p>
+            <a:pPr marL="457200" lvl="0" indent="0" algn="l" rtl="0">
+              <a:spcBef>
+                <a:spcPts val="1200"/>
+              </a:spcBef>
+              <a:spcAft>
+                <a:spcPts val="0"/>
+              </a:spcAft>
+              <a:buNone/>
+            </a:pPr>
+            <a:endParaRPr dirty="0"/>
+          </a:p>
+          <a:p>
+            <a:pPr marL="0" lvl="0" indent="0" algn="l" rtl="0">
+              <a:spcBef>
+                <a:spcPts val="1200"/>
+              </a:spcBef>
+              <a:spcAft>
+                <a:spcPts val="1200"/>
+              </a:spcAft>
+              <a:buNone/>
+            </a:pPr>
+            <a:endParaRPr dirty="0"/>
+          </a:p>
+        </p:txBody>
+      </p:sp>
+      <p:pic>
+        <p:nvPicPr>
+          <p:cNvPr id="4" name="Picture 3">
+            <a:extLst>
+              <a:ext uri="{FF2B5EF4-FFF2-40B4-BE49-F238E27FC236}">
+                <a16:creationId xmlns:a16="http://schemas.microsoft.com/office/drawing/2014/main" id="{8A2BD287-DD28-7533-0BAD-A6D139D81BEE}"/>
+              </a:ext>
+            </a:extLst>
+          </p:cNvPr>
+          <p:cNvPicPr>
+            <a:picLocks noChangeAspect="1"/>
+          </p:cNvPicPr>
+          <p:nvPr/>
+        </p:nvPicPr>
+        <p:blipFill>
+          <a:blip r:embed="rId3"/>
+          <a:stretch>
+            <a:fillRect/>
+          </a:stretch>
+        </p:blipFill>
+        <p:spPr>
+          <a:xfrm>
+            <a:off x="380325" y="980560"/>
+            <a:ext cx="8189139" cy="4047820"/>
+          </a:xfrm>
+          <a:prstGeom prst="rect">
+            <a:avLst/>
+          </a:prstGeom>
+        </p:spPr>
+      </p:pic>
+    </p:spTree>
+    <p:extLst>
+      <p:ext uri="{BB962C8B-B14F-4D97-AF65-F5344CB8AC3E}">
+        <p14:creationId xmlns:p14="http://schemas.microsoft.com/office/powerpoint/2010/main" val="1495076086"/>
+      </p:ext>
+    </p:extLst>
+  </p:cSld>
+  <p:clrMapOvr>
+    <a:masterClrMapping/>
+  </p:clrMapOvr>
+</p:sld>
+</file>
+
+<file path=ppt/slides/slide11.xml><?xml version="1.0" encoding="utf-8"?>
+<p:sld xmlns:a="http://schemas.openxmlformats.org/drawingml/2006/main" xmlns:r="http://schemas.openxmlformats.org/officeDocument/2006/relationships" xmlns:p="http://schemas.openxmlformats.org/presentationml/2006/main">
+  <p:cSld>
+    <p:spTree>
+      <p:nvGrpSpPr>
+        <p:cNvPr id="1" name="Shape 115"/>
+        <p:cNvGrpSpPr/>
+        <p:nvPr/>
+      </p:nvGrpSpPr>
+      <p:grpSpPr>
+        <a:xfrm>
+          <a:off x="0" y="0"/>
+          <a:ext cx="0" cy="0"/>
+          <a:chOff x="0" y="0"/>
+          <a:chExt cx="0" cy="0"/>
+        </a:xfrm>
+      </p:grpSpPr>
+      <p:sp>
+        <p:nvSpPr>
+          <p:cNvPr id="116" name="Google Shape;116;p20"/>
+          <p:cNvSpPr txBox="1">
+            <a:spLocks noGrp="1"/>
+          </p:cNvSpPr>
+          <p:nvPr>
+            <p:ph type="title"/>
+          </p:nvPr>
+        </p:nvSpPr>
+        <p:spPr>
+          <a:xfrm>
+            <a:off x="311700" y="445025"/>
+            <a:ext cx="8520600" cy="572700"/>
+          </a:xfrm>
+          <a:prstGeom prst="rect">
+            <a:avLst/>
+          </a:prstGeom>
+        </p:spPr>
+        <p:txBody>
+          <a:bodyPr spcFirstLastPara="1" wrap="square" lIns="91425" tIns="91425" rIns="91425" bIns="91425" anchor="t" anchorCtr="0">
+            <a:normAutofit fontScale="90000"/>
+          </a:bodyPr>
+          <a:lstStyle/>
+          <a:p>
+            <a:pPr marL="0" lvl="0" indent="0" algn="l" rtl="0">
+              <a:spcBef>
+                <a:spcPts val="0"/>
+              </a:spcBef>
+              <a:spcAft>
+                <a:spcPts val="0"/>
+              </a:spcAft>
+              <a:buNone/>
+            </a:pPr>
+            <a:r>
+              <a:rPr lang="en"/>
+              <a:t>Challenges</a:t>
+            </a:r>
+            <a:endParaRPr/>
+          </a:p>
+        </p:txBody>
+      </p:sp>
+      <p:sp>
+        <p:nvSpPr>
+          <p:cNvPr id="117" name="Google Shape;117;p20"/>
+          <p:cNvSpPr txBox="1">
+            <a:spLocks noGrp="1"/>
+          </p:cNvSpPr>
+          <p:nvPr>
+            <p:ph type="body" idx="1"/>
+          </p:nvPr>
+        </p:nvSpPr>
+        <p:spPr>
+          <a:xfrm>
+            <a:off x="311700" y="1234075"/>
+            <a:ext cx="8520600" cy="3334800"/>
+          </a:xfrm>
+          <a:prstGeom prst="rect">
+            <a:avLst/>
+          </a:prstGeom>
+        </p:spPr>
+        <p:txBody>
+          <a:bodyPr spcFirstLastPara="1" wrap="square" lIns="91425" tIns="91425" rIns="91425" bIns="91425" anchor="t" anchorCtr="0">
+            <a:normAutofit/>
+          </a:bodyPr>
+          <a:lstStyle/>
+          <a:p>
+            <a:pPr marL="457200" lvl="0" indent="-342900" algn="l" rtl="0">
+              <a:spcBef>
+                <a:spcPts val="0"/>
+              </a:spcBef>
+              <a:spcAft>
+                <a:spcPts val="0"/>
+              </a:spcAft>
+              <a:buSzPts val="1800"/>
+              <a:buAutoNum type="arabicPeriod"/>
+            </a:pPr>
+            <a:r>
+              <a:rPr lang="en"/>
+              <a:t>Choosing the proper techstack.</a:t>
+            </a:r>
+            <a:endParaRPr/>
+          </a:p>
+          <a:p>
+            <a:pPr marL="457200" lvl="0" indent="-342900" algn="l" rtl="0">
+              <a:spcBef>
+                <a:spcPts val="0"/>
+              </a:spcBef>
+              <a:spcAft>
+                <a:spcPts val="0"/>
+              </a:spcAft>
+              <a:buSzPts val="1800"/>
+              <a:buAutoNum type="arabicPeriod"/>
+            </a:pPr>
+            <a:r>
+              <a:rPr lang="en"/>
+              <a:t>Interactive UI design.</a:t>
+            </a:r>
+            <a:endParaRPr/>
+          </a:p>
+          <a:p>
+            <a:pPr marL="457200" lvl="0" indent="-342900" algn="l" rtl="0">
+              <a:spcBef>
+                <a:spcPts val="0"/>
+              </a:spcBef>
+              <a:spcAft>
+                <a:spcPts val="0"/>
+              </a:spcAft>
+              <a:buSzPts val="1800"/>
+              <a:buAutoNum type="arabicPeriod"/>
+            </a:pPr>
+            <a:r>
+              <a:rPr lang="en"/>
+              <a:t>Learning new technologies and implementing them.</a:t>
+            </a:r>
+            <a:endParaRPr/>
+          </a:p>
+          <a:p>
+            <a:pPr marL="457200" lvl="0" indent="0" algn="l" rtl="0">
+              <a:spcBef>
+                <a:spcPts val="1200"/>
+              </a:spcBef>
+              <a:spcAft>
+                <a:spcPts val="0"/>
+              </a:spcAft>
+              <a:buNone/>
+            </a:pPr>
+            <a:endParaRPr/>
+          </a:p>
+          <a:p>
+            <a:pPr marL="0" lvl="0" indent="0" algn="l" rtl="0">
+              <a:spcBef>
+                <a:spcPts val="1200"/>
+              </a:spcBef>
+              <a:spcAft>
+                <a:spcPts val="1200"/>
+              </a:spcAft>
+              <a:buNone/>
+            </a:pPr>
+            <a:endParaRPr/>
+          </a:p>
+        </p:txBody>
+      </p:sp>
+    </p:spTree>
+    <p:extLst>
+      <p:ext uri="{BB962C8B-B14F-4D97-AF65-F5344CB8AC3E}">
+        <p14:creationId xmlns:p14="http://schemas.microsoft.com/office/powerpoint/2010/main" val="1341956494"/>
+      </p:ext>
+    </p:extLst>
+  </p:cSld>
+  <p:clrMapOvr>
+    <a:masterClrMapping/>
+  </p:clrMapOvr>
+</p:sld>
+</file>
+
+<file path=ppt/slides/slide12.xml><?xml version="1.0" encoding="utf-8"?>
+<p:sld xmlns:a="http://schemas.openxmlformats.org/drawingml/2006/main" xmlns:r="http://schemas.openxmlformats.org/officeDocument/2006/relationships" xmlns:p="http://schemas.openxmlformats.org/presentationml/2006/main">
+  <p:cSld>
+    <p:spTree>
+      <p:nvGrpSpPr>
+        <p:cNvPr id="1" name="Shape 121"/>
+        <p:cNvGrpSpPr/>
+        <p:nvPr/>
+      </p:nvGrpSpPr>
+      <p:grpSpPr>
+        <a:xfrm>
+          <a:off x="0" y="0"/>
+          <a:ext cx="0" cy="0"/>
+          <a:chOff x="0" y="0"/>
+          <a:chExt cx="0" cy="0"/>
+        </a:xfrm>
+      </p:grpSpPr>
+      <p:sp>
+        <p:nvSpPr>
+          <p:cNvPr id="122" name="Google Shape;122;p21"/>
+          <p:cNvSpPr txBox="1">
+            <a:spLocks noGrp="1"/>
+          </p:cNvSpPr>
+          <p:nvPr>
+            <p:ph type="title"/>
+          </p:nvPr>
+        </p:nvSpPr>
+        <p:spPr>
+          <a:xfrm>
+            <a:off x="311700" y="445025"/>
+            <a:ext cx="8520600" cy="572700"/>
+          </a:xfrm>
+          <a:prstGeom prst="rect">
+            <a:avLst/>
+          </a:prstGeom>
+        </p:spPr>
+        <p:txBody>
+          <a:bodyPr spcFirstLastPara="1" wrap="square" lIns="91425" tIns="91425" rIns="91425" bIns="91425" anchor="t" anchorCtr="0">
+            <a:normAutofit fontScale="90000"/>
+          </a:bodyPr>
+          <a:lstStyle/>
+          <a:p>
+            <a:pPr marL="0" lvl="0" indent="0" algn="l" rtl="0">
+              <a:spcBef>
+                <a:spcPts val="0"/>
+              </a:spcBef>
+              <a:spcAft>
+                <a:spcPts val="0"/>
+              </a:spcAft>
+              <a:buNone/>
+            </a:pPr>
+            <a:r>
+              <a:rPr lang="en"/>
+              <a:t>Futute extensibility</a:t>
+            </a:r>
+            <a:endParaRPr/>
+          </a:p>
+        </p:txBody>
+      </p:sp>
+      <p:sp>
+        <p:nvSpPr>
+          <p:cNvPr id="123" name="Google Shape;123;p21"/>
+          <p:cNvSpPr txBox="1">
+            <a:spLocks noGrp="1"/>
+          </p:cNvSpPr>
+          <p:nvPr>
+            <p:ph type="body" idx="1"/>
+          </p:nvPr>
+        </p:nvSpPr>
+        <p:spPr>
+          <a:xfrm>
+            <a:off x="311700" y="1234075"/>
+            <a:ext cx="8520600" cy="3334800"/>
+          </a:xfrm>
+          <a:prstGeom prst="rect">
+            <a:avLst/>
+          </a:prstGeom>
+        </p:spPr>
+        <p:txBody>
+          <a:bodyPr spcFirstLastPara="1" wrap="square" lIns="91425" tIns="91425" rIns="91425" bIns="91425" anchor="t" anchorCtr="0">
+            <a:normAutofit/>
+          </a:bodyPr>
+          <a:lstStyle/>
+          <a:p>
+            <a:pPr marL="457200" lvl="0" indent="-342900" algn="l" rtl="0">
+              <a:spcBef>
+                <a:spcPts val="0"/>
+              </a:spcBef>
+              <a:spcAft>
+                <a:spcPts val="0"/>
+              </a:spcAft>
+              <a:buSzPts val="1800"/>
+              <a:buAutoNum type="arabicPeriod"/>
+            </a:pPr>
+            <a:r>
+              <a:rPr lang="en"/>
+              <a:t>We can add payment gateway.</a:t>
+            </a:r>
+            <a:endParaRPr/>
+          </a:p>
+          <a:p>
+            <a:pPr marL="457200" lvl="0" indent="-342900" algn="l" rtl="0">
+              <a:spcBef>
+                <a:spcPts val="0"/>
+              </a:spcBef>
+              <a:spcAft>
+                <a:spcPts val="0"/>
+              </a:spcAft>
+              <a:buSzPts val="1800"/>
+              <a:buAutoNum type="arabicPeriod"/>
+            </a:pPr>
+            <a:r>
+              <a:rPr lang="en"/>
+              <a:t>Integrating with message service.</a:t>
+            </a:r>
+            <a:endParaRPr/>
+          </a:p>
+          <a:p>
+            <a:pPr marL="457200" lvl="0" indent="-342900" algn="l" rtl="0">
+              <a:spcBef>
+                <a:spcPts val="0"/>
+              </a:spcBef>
+              <a:spcAft>
+                <a:spcPts val="0"/>
+              </a:spcAft>
+              <a:buSzPts val="1800"/>
+              <a:buAutoNum type="arabicPeriod"/>
+            </a:pPr>
+            <a:r>
+              <a:rPr lang="en"/>
+              <a:t>Update and delete order functionality.</a:t>
+            </a:r>
+            <a:endParaRPr/>
+          </a:p>
+          <a:p>
+            <a:pPr marL="457200" lvl="0" indent="-342900" algn="l" rtl="0">
+              <a:spcBef>
+                <a:spcPts val="0"/>
+              </a:spcBef>
+              <a:spcAft>
+                <a:spcPts val="0"/>
+              </a:spcAft>
+              <a:buSzPts val="1800"/>
+              <a:buAutoNum type="arabicPeriod"/>
+            </a:pPr>
+            <a:r>
+              <a:rPr lang="en"/>
+              <a:t>Enhancement in profile page.</a:t>
+            </a:r>
+            <a:endParaRPr/>
+          </a:p>
+          <a:p>
+            <a:pPr marL="457200" lvl="0" indent="-342900" algn="l" rtl="0">
+              <a:spcBef>
+                <a:spcPts val="0"/>
+              </a:spcBef>
+              <a:spcAft>
+                <a:spcPts val="0"/>
+              </a:spcAft>
+              <a:buSzPts val="1800"/>
+              <a:buAutoNum type="arabicPeriod"/>
+            </a:pPr>
+            <a:r>
+              <a:rPr lang="en"/>
+              <a:t>Live delivery and pickup tracking.</a:t>
+            </a:r>
+            <a:endParaRPr/>
+          </a:p>
+          <a:p>
+            <a:pPr marL="457200" lvl="0" indent="0" algn="l" rtl="0">
+              <a:spcBef>
+                <a:spcPts val="1200"/>
+              </a:spcBef>
+              <a:spcAft>
+                <a:spcPts val="0"/>
+              </a:spcAft>
+              <a:buNone/>
+            </a:pPr>
+            <a:endParaRPr/>
+          </a:p>
+          <a:p>
+            <a:pPr marL="0" lvl="0" indent="0" algn="l" rtl="0">
+              <a:spcBef>
+                <a:spcPts val="1200"/>
+              </a:spcBef>
+              <a:spcAft>
+                <a:spcPts val="1200"/>
+              </a:spcAft>
+              <a:buNone/>
+            </a:pPr>
+            <a:endParaRPr/>
+          </a:p>
+        </p:txBody>
+      </p:sp>
+    </p:spTree>
+  </p:cSld>
+  <p:clrMapOvr>
+    <a:masterClrMapping/>
+  </p:clrMapOvr>
+</p:sld>
+</file>
+
+<file path=ppt/slides/slide13.xml><?xml version="1.0" encoding="utf-8"?>
 <p:sld xmlns:a="http://schemas.openxmlformats.org/drawingml/2006/main" xmlns:r="http://schemas.openxmlformats.org/officeDocument/2006/relationships" xmlns:p="http://schemas.openxmlformats.org/presentationml/2006/main">
   <p:cSld>
     <p:spTree>
@@ -7907,7 +8764,7 @@
         </p:spPr>
         <p:txBody>
           <a:bodyPr spcFirstLastPara="1" wrap="square" lIns="91425" tIns="91425" rIns="91425" bIns="91425" anchor="t" anchorCtr="0">
-            <a:normAutofit lnSpcReduction="20000"/>
+            <a:normAutofit fontScale="92500"/>
           </a:bodyPr>
           <a:lstStyle/>
           <a:p>
@@ -9724,10 +10581,10 @@
               <a:buNone/>
             </a:pPr>
             <a:r>
-              <a:rPr lang="en"/>
-              <a:t>Challenges</a:t>
+              <a:rPr lang="en" dirty="0" err="1"/>
+              <a:t>DataBase</a:t>
             </a:r>
-            <a:endParaRPr/>
+            <a:endParaRPr dirty="0"/>
           </a:p>
         </p:txBody>
       </p:sp>
@@ -9756,82 +10613,61 @@
           </a:bodyPr>
           <a:lstStyle/>
           <a:p>
-            <a:pPr marL="457200" lvl="0" indent="-342900" algn="l" rtl="0">
-              <a:spcBef>
-                <a:spcPts val="0"/>
-              </a:spcBef>
-              <a:spcAft>
-                <a:spcPts val="0"/>
-              </a:spcAft>
-              <a:buSzPts val="1800"/>
-              <a:buAutoNum type="arabicPeriod"/>
+            <a:pPr marL="457200" lvl="0" indent="0" algn="l" rtl="0">
+              <a:spcBef>
+                <a:spcPts val="1200"/>
+              </a:spcBef>
+              <a:spcAft>
+                <a:spcPts val="0"/>
+              </a:spcAft>
+              <a:buNone/>
             </a:pPr>
-            <a:r>
-              <a:rPr lang="en"/>
-              <a:t>Choosing the proper techstack.</a:t>
-            </a:r>
-            <a:endParaRPr/>
-          </a:p>
-          <a:p>
-            <a:pPr marL="457200" lvl="0" indent="-342900" algn="l" rtl="0">
-              <a:spcBef>
-                <a:spcPts val="0"/>
-              </a:spcBef>
-              <a:spcAft>
-                <a:spcPts val="0"/>
-              </a:spcAft>
-              <a:buSzPts val="1800"/>
-              <a:buAutoNum type="arabicPeriod"/>
+            <a:endParaRPr dirty="0"/>
+          </a:p>
+          <a:p>
+            <a:pPr marL="0" lvl="0" indent="0" algn="l" rtl="0">
+              <a:spcBef>
+                <a:spcPts val="1200"/>
+              </a:spcBef>
+              <a:spcAft>
+                <a:spcPts val="1200"/>
+              </a:spcAft>
+              <a:buNone/>
             </a:pPr>
-            <a:r>
-              <a:rPr lang="en"/>
-              <a:t>Interactive UI design.</a:t>
-            </a:r>
-            <a:endParaRPr/>
-          </a:p>
-          <a:p>
-            <a:pPr marL="457200" lvl="0" indent="-342900" algn="l" rtl="0">
-              <a:spcBef>
-                <a:spcPts val="0"/>
-              </a:spcBef>
-              <a:spcAft>
-                <a:spcPts val="0"/>
-              </a:spcAft>
-              <a:buSzPts val="1800"/>
-              <a:buAutoNum type="arabicPeriod"/>
-            </a:pPr>
-            <a:r>
-              <a:rPr lang="en"/>
-              <a:t>Learning new technologies and implementing them.</a:t>
-            </a:r>
-            <a:endParaRPr/>
-          </a:p>
-          <a:p>
-            <a:pPr marL="457200" lvl="0" indent="0" algn="l" rtl="0">
-              <a:spcBef>
-                <a:spcPts val="1200"/>
-              </a:spcBef>
-              <a:spcAft>
-                <a:spcPts val="0"/>
-              </a:spcAft>
-              <a:buNone/>
-            </a:pPr>
-            <a:endParaRPr/>
-          </a:p>
-          <a:p>
-            <a:pPr marL="0" lvl="0" indent="0" algn="l" rtl="0">
-              <a:spcBef>
-                <a:spcPts val="1200"/>
-              </a:spcBef>
-              <a:spcAft>
-                <a:spcPts val="1200"/>
-              </a:spcAft>
-              <a:buNone/>
-            </a:pPr>
-            <a:endParaRPr/>
+            <a:endParaRPr dirty="0"/>
           </a:p>
         </p:txBody>
       </p:sp>
+      <p:pic>
+        <p:nvPicPr>
+          <p:cNvPr id="7" name="Picture 6">
+            <a:extLst>
+              <a:ext uri="{FF2B5EF4-FFF2-40B4-BE49-F238E27FC236}">
+                <a16:creationId xmlns:a16="http://schemas.microsoft.com/office/drawing/2014/main" id="{C7200FF8-7F66-E649-3E2E-423C0DDCE5E6}"/>
+              </a:ext>
+            </a:extLst>
+          </p:cNvPr>
+          <p:cNvPicPr>
+            <a:picLocks noChangeAspect="1"/>
+          </p:cNvPicPr>
+          <p:nvPr/>
+        </p:nvPicPr>
+        <p:blipFill>
+          <a:blip r:embed="rId3"/>
+          <a:stretch>
+            <a:fillRect/>
+          </a:stretch>
+        </p:blipFill>
+        <p:spPr>
+          <a:xfrm>
+            <a:off x="391846" y="1065462"/>
+            <a:ext cx="7271312" cy="3959147"/>
+          </a:xfrm>
+          <a:prstGeom prst="rect">
+            <a:avLst/>
+          </a:prstGeom>
+        </p:spPr>
+      </p:pic>
     </p:spTree>
   </p:cSld>
   <p:clrMapOvr>
@@ -9845,7 +10681,7 @@
   <p:cSld>
     <p:spTree>
       <p:nvGrpSpPr>
-        <p:cNvPr id="1" name="Shape 121"/>
+        <p:cNvPr id="1" name="Shape 115"/>
         <p:cNvGrpSpPr/>
         <p:nvPr/>
       </p:nvGrpSpPr>
@@ -9859,7 +10695,7 @@
       </p:grpSpPr>
       <p:sp>
         <p:nvSpPr>
-          <p:cNvPr id="122" name="Google Shape;122;p21"/>
+          <p:cNvPr id="116" name="Google Shape;116;p20"/>
           <p:cNvSpPr txBox="1">
             <a:spLocks noGrp="1"/>
           </p:cNvSpPr>
@@ -9892,16 +10728,16 @@
               <a:buNone/>
             </a:pPr>
             <a:r>
-              <a:rPr lang="en"/>
-              <a:t>Futute extensibility</a:t>
+              <a:rPr lang="en" dirty="0" err="1"/>
+              <a:t>Cloudinary</a:t>
             </a:r>
-            <a:endParaRPr/>
+            <a:endParaRPr dirty="0"/>
           </a:p>
         </p:txBody>
       </p:sp>
       <p:sp>
         <p:nvSpPr>
-          <p:cNvPr id="123" name="Google Shape;123;p21"/>
+          <p:cNvPr id="117" name="Google Shape;117;p20"/>
           <p:cNvSpPr txBox="1">
             <a:spLocks noGrp="1"/>
           </p:cNvSpPr>
@@ -9924,117 +10760,67 @@
           </a:bodyPr>
           <a:lstStyle/>
           <a:p>
-            <a:pPr marL="457200" lvl="0" indent="-342900" algn="l" rtl="0">
-              <a:spcBef>
-                <a:spcPts val="0"/>
-              </a:spcBef>
-              <a:spcAft>
-                <a:spcPts val="0"/>
-              </a:spcAft>
-              <a:buSzPts val="1800"/>
-              <a:buAutoNum type="arabicPeriod"/>
+            <a:pPr marL="457200" lvl="0" indent="0" algn="l" rtl="0">
+              <a:spcBef>
+                <a:spcPts val="1200"/>
+              </a:spcBef>
+              <a:spcAft>
+                <a:spcPts val="0"/>
+              </a:spcAft>
+              <a:buNone/>
             </a:pPr>
-            <a:r>
-              <a:rPr lang="en"/>
-              <a:t>We can add payment gateway.</a:t>
-            </a:r>
-            <a:endParaRPr/>
-          </a:p>
-          <a:p>
-            <a:pPr marL="457200" lvl="0" indent="-342900" algn="l" rtl="0">
-              <a:spcBef>
-                <a:spcPts val="0"/>
-              </a:spcBef>
-              <a:spcAft>
-                <a:spcPts val="0"/>
-              </a:spcAft>
-              <a:buSzPts val="1800"/>
-              <a:buAutoNum type="arabicPeriod"/>
+            <a:endParaRPr dirty="0"/>
+          </a:p>
+          <a:p>
+            <a:pPr marL="0" lvl="0" indent="0" algn="l" rtl="0">
+              <a:spcBef>
+                <a:spcPts val="1200"/>
+              </a:spcBef>
+              <a:spcAft>
+                <a:spcPts val="1200"/>
+              </a:spcAft>
+              <a:buNone/>
             </a:pPr>
-            <a:r>
-              <a:rPr lang="en"/>
-              <a:t>Integrating with message service.</a:t>
-            </a:r>
-            <a:endParaRPr/>
-          </a:p>
-          <a:p>
-            <a:pPr marL="457200" lvl="0" indent="-342900" algn="l" rtl="0">
-              <a:spcBef>
-                <a:spcPts val="0"/>
-              </a:spcBef>
-              <a:spcAft>
-                <a:spcPts val="0"/>
-              </a:spcAft>
-              <a:buSzPts val="1800"/>
-              <a:buAutoNum type="arabicPeriod"/>
-            </a:pPr>
-            <a:r>
-              <a:rPr lang="en"/>
-              <a:t>Update and delete order functionality.</a:t>
-            </a:r>
-            <a:endParaRPr/>
-          </a:p>
-          <a:p>
-            <a:pPr marL="457200" lvl="0" indent="-342900" algn="l" rtl="0">
-              <a:spcBef>
-                <a:spcPts val="0"/>
-              </a:spcBef>
-              <a:spcAft>
-                <a:spcPts val="0"/>
-              </a:spcAft>
-              <a:buSzPts val="1800"/>
-              <a:buAutoNum type="arabicPeriod"/>
-            </a:pPr>
-            <a:r>
-              <a:rPr lang="en"/>
-              <a:t>Enhancement in profile page.</a:t>
-            </a:r>
-            <a:endParaRPr/>
-          </a:p>
-          <a:p>
-            <a:pPr marL="457200" lvl="0" indent="-342900" algn="l" rtl="0">
-              <a:spcBef>
-                <a:spcPts val="0"/>
-              </a:spcBef>
-              <a:spcAft>
-                <a:spcPts val="0"/>
-              </a:spcAft>
-              <a:buSzPts val="1800"/>
-              <a:buAutoNum type="arabicPeriod"/>
-            </a:pPr>
-            <a:r>
-              <a:rPr lang="en"/>
-              <a:t>Live delivery and pickup tracking.</a:t>
-            </a:r>
-            <a:endParaRPr/>
-          </a:p>
-          <a:p>
-            <a:pPr marL="457200" lvl="0" indent="0" algn="l" rtl="0">
-              <a:spcBef>
-                <a:spcPts val="1200"/>
-              </a:spcBef>
-              <a:spcAft>
-                <a:spcPts val="0"/>
-              </a:spcAft>
-              <a:buNone/>
-            </a:pPr>
-            <a:endParaRPr/>
-          </a:p>
-          <a:p>
-            <a:pPr marL="0" lvl="0" indent="0" algn="l" rtl="0">
-              <a:spcBef>
-                <a:spcPts val="1200"/>
-              </a:spcBef>
-              <a:spcAft>
-                <a:spcPts val="1200"/>
-              </a:spcAft>
-              <a:buNone/>
-            </a:pPr>
-            <a:endParaRPr/>
+            <a:endParaRPr dirty="0"/>
           </a:p>
         </p:txBody>
       </p:sp>
+      <p:pic>
+        <p:nvPicPr>
+          <p:cNvPr id="2" name="Picture 1">
+            <a:extLst>
+              <a:ext uri="{FF2B5EF4-FFF2-40B4-BE49-F238E27FC236}">
+                <a16:creationId xmlns:a16="http://schemas.microsoft.com/office/drawing/2014/main" id="{FB0E40F2-35C4-CE61-8B08-DE46ACE6F074}"/>
+              </a:ext>
+            </a:extLst>
+          </p:cNvPr>
+          <p:cNvPicPr>
+            <a:picLocks noChangeAspect="1"/>
+          </p:cNvPicPr>
+          <p:nvPr/>
+        </p:nvPicPr>
+        <p:blipFill>
+          <a:blip r:embed="rId3"/>
+          <a:stretch>
+            <a:fillRect/>
+          </a:stretch>
+        </p:blipFill>
+        <p:spPr>
+          <a:xfrm>
+            <a:off x="396510" y="1017725"/>
+            <a:ext cx="7169543" cy="3917181"/>
+          </a:xfrm>
+          <a:prstGeom prst="rect">
+            <a:avLst/>
+          </a:prstGeom>
+        </p:spPr>
+      </p:pic>
     </p:spTree>
+    <p:extLst>
+      <p:ext uri="{BB962C8B-B14F-4D97-AF65-F5344CB8AC3E}">
+        <p14:creationId xmlns:p14="http://schemas.microsoft.com/office/powerpoint/2010/main" val="2258865544"/>
+      </p:ext>
+    </p:extLst>
   </p:cSld>
   <p:clrMapOvr>
     <a:masterClrMapping/>
